--- a/chapter 12/12장_채팅 시스템 설계.pptx
+++ b/chapter 12/12장_채팅 시스템 설계.pptx
@@ -8261,11 +8261,30 @@
               <a:buNone/>
             </a:pPr>
             <a:r>
+              <a:rPr lang="ko-KR" altLang="en-US" sz="1600">
+                <a:latin typeface="KoPub돋움체 Light" panose="02020603020101020101" pitchFamily="18" charset="-127"/>
+                <a:ea typeface="KoPub돋움체 Light" panose="02020603020101020101" pitchFamily="18" charset="-127"/>
+              </a:rPr>
+              <a:t>접속상태 서버는 채팅 서비스처럼 실시간 서비스</a:t>
+            </a:r>
+            <a:endParaRPr lang="en-US" altLang="ko-KR" sz="1600" dirty="0">
+              <a:latin typeface="KoPub돋움체 Light" panose="02020603020101020101" pitchFamily="18" charset="-127"/>
+              <a:ea typeface="KoPub돋움체 Light" panose="02020603020101020101" pitchFamily="18" charset="-127"/>
+            </a:endParaRPr>
+          </a:p>
+          <a:p>
+            <a:pPr marL="0" indent="0" algn="ctr">
+              <a:lnSpc>
+                <a:spcPct val="150000"/>
+              </a:lnSpc>
+              <a:buNone/>
+            </a:pPr>
+            <a:r>
               <a:rPr lang="ko-KR" altLang="en-US" sz="1600" dirty="0">
                 <a:latin typeface="KoPub돋움체 Light" panose="02020603020101020101" pitchFamily="18" charset="-127"/>
                 <a:ea typeface="KoPub돋움체 Light" panose="02020603020101020101" pitchFamily="18" charset="-127"/>
               </a:rPr>
-              <a:t>클라이언트와 실시간 서비스 서버 사이에 </a:t>
+              <a:t>클라이언트와 접속상태 서버 사이에 </a:t>
             </a:r>
             <a:r>
               <a:rPr lang="ko-KR" altLang="en-US" sz="1600" dirty="0" err="1">
@@ -8577,28 +8596,14 @@
                 <a:latin typeface="KoPub돋움체 Light" panose="02020603020101020101" pitchFamily="18" charset="-127"/>
                 <a:ea typeface="KoPub돋움체 Light" panose="02020603020101020101" pitchFamily="18" charset="-127"/>
               </a:rPr>
-              <a:t>로그아운하면</a:t>
+              <a:t>로그아웃하면</a:t>
             </a:r>
             <a:r>
               <a:rPr lang="ko-KR" altLang="en-US" sz="1600" dirty="0">
                 <a:latin typeface="KoPub돋움체 Light" panose="02020603020101020101" pitchFamily="18" charset="-127"/>
                 <a:ea typeface="KoPub돋움체 Light" panose="02020603020101020101" pitchFamily="18" charset="-127"/>
               </a:rPr>
-              <a:t> </a:t>
-            </a:r>
-            <a:r>
-              <a:rPr lang="en-US" altLang="ko-KR" sz="1600" dirty="0">
-                <a:latin typeface="KoPub돋움체 Light" panose="02020603020101020101" pitchFamily="18" charset="-127"/>
-                <a:ea typeface="KoPub돋움체 Light" panose="02020603020101020101" pitchFamily="18" charset="-127"/>
-              </a:rPr>
-              <a:t>NoSQL</a:t>
-            </a:r>
-            <a:r>
-              <a:rPr lang="ko-KR" altLang="en-US" sz="1600" dirty="0">
-                <a:latin typeface="KoPub돋움체 Light" panose="02020603020101020101" pitchFamily="18" charset="-127"/>
-                <a:ea typeface="KoPub돋움체 Light" panose="02020603020101020101" pitchFamily="18" charset="-127"/>
-              </a:rPr>
-              <a:t>의 상태 데이터 업데이트</a:t>
+              <a:t> 해당 사용자의 상태 데이터 업데이트</a:t>
             </a:r>
             <a:endParaRPr lang="en-US" altLang="ko-KR" sz="1600" dirty="0">
               <a:latin typeface="KoPub돋움체 Light" panose="02020603020101020101" pitchFamily="18" charset="-127"/>
